--- a/aulas/t/SCO-T1-A05-A06.pptx
+++ b/aulas/t/SCO-T1-A05-A06.pptx
@@ -7177,11 +7177,25 @@
                 <a:latin typeface="Courier New" panose="02070309020205020404" pitchFamily="49" charset="0"/>
                 <a:cs typeface="Courier New" panose="02070309020205020404" pitchFamily="49" charset="0"/>
               </a:rPr>
-              <a:t>, [R1 + #4]</a:t>
+              <a:t>, [R1 + #</a:t>
+            </a:r>
+            <a:r>
+              <a:rPr lang="en-GB" sz="1600" i="0">
+                <a:solidFill>
+                  <a:srgbClr val="0070C0"/>
+                </a:solidFill>
+                <a:latin typeface="Courier New" panose="02070309020205020404" pitchFamily="49" charset="0"/>
+                <a:cs typeface="Courier New" panose="02070309020205020404" pitchFamily="49" charset="0"/>
+              </a:rPr>
+              <a:t>4]!</a:t>
+            </a:r>
+            <a:r>
+              <a:rPr lang="pt-BR" sz="1600" b="0" i="0"/>
+              <a:t>”, </a:t>
             </a:r>
             <a:r>
               <a:rPr lang="pt-BR" sz="1600" b="0" i="0" dirty="0"/>
-              <a:t>”, O registo R1 é imcrementado de 4 sendo depois colocado o valor do registo R3 no endereço dado por R1 (apontador);</a:t>
+              <a:t>O registo R1 é imcrementado de 4 sendo depois colocado o valor do registo R3 no endereço dado por R1 (apontador);</a:t>
             </a:r>
           </a:p>
           <a:p>

--- a/aulas/t/SCO-T1-A05-A06.pptx
+++ b/aulas/t/SCO-T1-A05-A06.pptx
@@ -9278,7 +9278,7 @@
           <a:p>
             <a:pPr algn="r"/>
             <a:br>
-              <a:rPr lang="pt-PT" sz="1000" b="1" i="1" dirty="0">
+              <a:rPr lang="pt-PT" sz="1000" b="1" i="1" cap="small" dirty="0">
                 <a:solidFill>
                   <a:srgbClr val="FF0000"/>
                 </a:solidFill>
@@ -9286,58 +9286,13 @@
               </a:rPr>
             </a:br>
             <a:r>
-              <a:rPr lang="pt-PT" sz="1800" b="1" i="1" dirty="0">
+              <a:rPr lang="pt-PT" sz="1800" b="1" i="1" cap="small" dirty="0">
                 <a:solidFill>
                   <a:srgbClr val="FF0000"/>
                 </a:solidFill>
                 <a:latin typeface="Arial" charset="0"/>
               </a:rPr>
-              <a:t>T</a:t>
-            </a:r>
-            <a:r>
-              <a:rPr lang="pt-PT" sz="1600" b="1" i="1" dirty="0">
-                <a:solidFill>
-                  <a:srgbClr val="FF0000"/>
-                </a:solidFill>
-                <a:latin typeface="Arial" charset="0"/>
-              </a:rPr>
-              <a:t>ESTE </a:t>
-            </a:r>
-            <a:r>
-              <a:rPr lang="pt-PT" sz="1800" b="1" i="1" dirty="0">
-                <a:solidFill>
-                  <a:srgbClr val="FF0000"/>
-                </a:solidFill>
-                <a:latin typeface="Arial" charset="0"/>
-              </a:rPr>
-              <a:t>T</a:t>
-            </a:r>
-            <a:r>
-              <a:rPr lang="pt-PT" sz="1600" b="1" i="1" dirty="0">
-                <a:solidFill>
-                  <a:srgbClr val="FF0000"/>
-                </a:solidFill>
-                <a:latin typeface="Arial" charset="0"/>
-              </a:rPr>
-              <a:t>EÓRICO </a:t>
-            </a:r>
-            <a:r>
-              <a:rPr lang="pt-PT" sz="1800" b="1" i="1" dirty="0">
-                <a:solidFill>
-                  <a:srgbClr val="FF0000"/>
-                </a:solidFill>
-                <a:latin typeface="Arial" charset="0"/>
-              </a:rPr>
-              <a:t>O</a:t>
-            </a:r>
-            <a:r>
-              <a:rPr lang="pt-PT" sz="1600" b="1" i="1" dirty="0">
-                <a:solidFill>
-                  <a:srgbClr val="FF0000"/>
-                </a:solidFill>
-                <a:latin typeface="Arial" charset="0"/>
-              </a:rPr>
-              <a:t>NLINE</a:t>
+              <a:t>Questionário Teórico Online</a:t>
             </a:r>
             <a:endParaRPr lang="en-GB" sz="1600" b="1" i="1" dirty="0">
               <a:solidFill>
@@ -9448,7 +9403,15 @@
             </a:pPr>
             <a:r>
               <a:rPr lang="pt-PT" sz="2800" b="0" i="0" dirty="0"/>
-              <a:t>Password do questionário 2: </a:t>
+              <a:t>Password do questionário </a:t>
+            </a:r>
+            <a:r>
+              <a:rPr lang="pt-PT" sz="2800" i="0" dirty="0"/>
+              <a:t>T-Q03</a:t>
+            </a:r>
+            <a:r>
+              <a:rPr lang="pt-PT" sz="2800" b="0" i="0" dirty="0"/>
+              <a:t>: </a:t>
             </a:r>
             <a:r>
               <a:rPr lang="pt-PT" sz="2800" i="0" dirty="0"/>

--- a/aulas/t/SCO-T1-A05-A06.pptx
+++ b/aulas/t/SCO-T1-A05-A06.pptx
@@ -7031,7 +7031,7 @@
         </p:nvSpPr>
         <p:spPr bwMode="auto">
           <a:xfrm>
-            <a:off x="540000" y="900000"/>
+            <a:off x="540000" y="841276"/>
             <a:ext cx="8424488" cy="3355265"/>
           </a:xfrm>
           <a:prstGeom prst="rect">
@@ -7177,25 +7177,11 @@
                 <a:latin typeface="Courier New" panose="02070309020205020404" pitchFamily="49" charset="0"/>
                 <a:cs typeface="Courier New" panose="02070309020205020404" pitchFamily="49" charset="0"/>
               </a:rPr>
-              <a:t>, [R1 + #</a:t>
-            </a:r>
-            <a:r>
-              <a:rPr lang="en-GB" sz="1600" i="0">
-                <a:solidFill>
-                  <a:srgbClr val="0070C0"/>
-                </a:solidFill>
-                <a:latin typeface="Courier New" panose="02070309020205020404" pitchFamily="49" charset="0"/>
-                <a:cs typeface="Courier New" panose="02070309020205020404" pitchFamily="49" charset="0"/>
-              </a:rPr>
-              <a:t>4]!</a:t>
-            </a:r>
-            <a:r>
-              <a:rPr lang="pt-BR" sz="1600" b="0" i="0"/>
-              <a:t>”, </a:t>
+              <a:t>, [R1 + #4]!</a:t>
             </a:r>
             <a:r>
               <a:rPr lang="pt-BR" sz="1600" b="0" i="0" dirty="0"/>
-              <a:t>O registo R1 é imcrementado de 4 sendo depois colocado o valor do registo R3 no endereço dado por R1 (apontador);</a:t>
+              <a:t>”, O registo R1 é imcrementado de 4 sendo depois colocado o valor do registo R3 no endereço dado por R1 (apontador);</a:t>
             </a:r>
           </a:p>
           <a:p>
@@ -7487,7 +7473,7 @@
         </p:nvSpPr>
         <p:spPr bwMode="auto">
           <a:xfrm>
-            <a:off x="540000" y="900000"/>
+            <a:off x="540000" y="841276"/>
             <a:ext cx="8424488" cy="4241662"/>
           </a:xfrm>
           <a:prstGeom prst="rect">
@@ -7861,7 +7847,7 @@
         </p:nvSpPr>
         <p:spPr bwMode="auto">
           <a:xfrm>
-            <a:off x="540000" y="900000"/>
+            <a:off x="540000" y="841276"/>
             <a:ext cx="8424488" cy="4537127"/>
           </a:xfrm>
           <a:prstGeom prst="rect">
@@ -8278,7 +8264,7 @@
         </p:nvSpPr>
         <p:spPr bwMode="auto">
           <a:xfrm>
-            <a:off x="540000" y="900000"/>
+            <a:off x="540000" y="841276"/>
             <a:ext cx="8424488" cy="2764334"/>
           </a:xfrm>
           <a:prstGeom prst="rect">
@@ -8607,7 +8593,7 @@
         </p:nvSpPr>
         <p:spPr bwMode="auto">
           <a:xfrm>
-            <a:off x="540000" y="900000"/>
+            <a:off x="540000" y="841276"/>
             <a:ext cx="8424488" cy="3059800"/>
           </a:xfrm>
           <a:prstGeom prst="rect">
@@ -8972,7 +8958,7 @@
         </p:nvSpPr>
         <p:spPr bwMode="auto">
           <a:xfrm>
-            <a:off x="540000" y="900000"/>
+            <a:off x="540000" y="841276"/>
             <a:ext cx="8424488" cy="3355265"/>
           </a:xfrm>
           <a:prstGeom prst="rect">
@@ -9313,7 +9299,7 @@
         </p:nvSpPr>
         <p:spPr bwMode="auto">
           <a:xfrm>
-            <a:off x="540000" y="900000"/>
+            <a:off x="540000" y="841276"/>
             <a:ext cx="8064448" cy="3938245"/>
           </a:xfrm>
           <a:prstGeom prst="rect">
@@ -9745,7 +9731,7 @@
         </p:nvSpPr>
         <p:spPr bwMode="auto">
           <a:xfrm>
-            <a:off x="540000" y="900000"/>
+            <a:off x="540000" y="841276"/>
             <a:ext cx="8136456" cy="2247270"/>
           </a:xfrm>
           <a:prstGeom prst="rect">
@@ -10131,7 +10117,7 @@
         </p:nvSpPr>
         <p:spPr bwMode="auto">
           <a:xfrm>
-            <a:off x="540000" y="900000"/>
+            <a:off x="540000" y="841276"/>
             <a:ext cx="8424488" cy="4241662"/>
           </a:xfrm>
           <a:prstGeom prst="rect">
@@ -10466,7 +10452,7 @@
         </p:nvSpPr>
         <p:spPr bwMode="auto">
           <a:xfrm>
-            <a:off x="540000" y="900000"/>
+            <a:off x="540000" y="841276"/>
             <a:ext cx="8424488" cy="3355265"/>
           </a:xfrm>
           <a:prstGeom prst="rect">
@@ -10822,7 +10808,7 @@
         </p:nvSpPr>
         <p:spPr bwMode="auto">
           <a:xfrm>
-            <a:off x="540000" y="900000"/>
+            <a:off x="540000" y="841276"/>
             <a:ext cx="8424488" cy="2764334"/>
           </a:xfrm>
           <a:prstGeom prst="rect">
@@ -11345,7 +11331,7 @@
         </p:nvSpPr>
         <p:spPr bwMode="auto">
           <a:xfrm>
-            <a:off x="540000" y="900000"/>
+            <a:off x="540000" y="841276"/>
             <a:ext cx="8424488" cy="991541"/>
           </a:xfrm>
           <a:prstGeom prst="rect">
@@ -11870,7 +11856,7 @@
         </p:nvSpPr>
         <p:spPr bwMode="auto">
           <a:xfrm>
-            <a:off x="540000" y="900000"/>
+            <a:off x="540000" y="841276"/>
             <a:ext cx="8424488" cy="4537127"/>
           </a:xfrm>
           <a:prstGeom prst="rect">
@@ -12372,7 +12358,7 @@
         </p:nvSpPr>
         <p:spPr bwMode="auto">
           <a:xfrm>
-            <a:off x="540000" y="900000"/>
+            <a:off x="540000" y="841276"/>
             <a:ext cx="8424488" cy="4537127"/>
           </a:xfrm>
           <a:prstGeom prst="rect">
@@ -12880,7 +12866,7 @@
         </p:nvSpPr>
         <p:spPr bwMode="auto">
           <a:xfrm>
-            <a:off x="540000" y="900000"/>
+            <a:off x="540000" y="841276"/>
             <a:ext cx="8424488" cy="4241662"/>
           </a:xfrm>
           <a:prstGeom prst="rect">
